--- a/Snake/貪食蛇.pptx
+++ b/Snake/貪食蛇.pptx
@@ -8,9 +8,12 @@
     <p:sldId id="256" r:id="rId2"/>
     <p:sldId id="258" r:id="rId3"/>
     <p:sldId id="262" r:id="rId4"/>
-    <p:sldId id="261" r:id="rId5"/>
-    <p:sldId id="260" r:id="rId6"/>
+    <p:sldId id="260" r:id="rId5"/>
+    <p:sldId id="263" r:id="rId6"/>
     <p:sldId id="257" r:id="rId7"/>
+    <p:sldId id="261" r:id="rId8"/>
+    <p:sldId id="264" r:id="rId9"/>
+    <p:sldId id="265" r:id="rId10"/>
   </p:sldIdLst>
   <p:sldSz cx="9144000" cy="6858000" type="screen4x3"/>
   <p:notesSz cx="6858000" cy="9144000"/>
@@ -148,6 +151,7 @@
           <a:p>
             <a:fld id="{84F27585-4D75-4666-8113-862526CAAE14}" type="datetimeFigureOut">
               <a:rPr lang="zh-TW" altLang="en-US" smtClean="0"/>
+              <a:pPr/>
               <a:t>2019/8/8</a:t>
             </a:fld>
             <a:endParaRPr lang="zh-TW" altLang="en-US"/>
@@ -194,6 +198,7 @@
           <a:p>
             <a:fld id="{7D943101-67B8-4B7F-9001-C5758E47BEFE}" type="slidenum">
               <a:rPr lang="zh-TW" altLang="en-US" smtClean="0"/>
+              <a:pPr/>
               <a:t>‹#›</a:t>
             </a:fld>
             <a:endParaRPr lang="zh-TW" altLang="en-US"/>
@@ -865,6 +870,7 @@
           <a:p>
             <a:fld id="{84F27585-4D75-4666-8113-862526CAAE14}" type="datetimeFigureOut">
               <a:rPr lang="zh-TW" altLang="en-US" smtClean="0"/>
+              <a:pPr/>
               <a:t>2019/8/8</a:t>
             </a:fld>
             <a:endParaRPr lang="zh-TW" altLang="en-US"/>
@@ -911,6 +917,7 @@
           <a:p>
             <a:fld id="{7D943101-67B8-4B7F-9001-C5758E47BEFE}" type="slidenum">
               <a:rPr lang="zh-TW" altLang="en-US" smtClean="0"/>
+              <a:pPr/>
               <a:t>‹#›</a:t>
             </a:fld>
             <a:endParaRPr lang="zh-TW" altLang="en-US"/>
@@ -1050,6 +1057,7 @@
           <a:p>
             <a:fld id="{84F27585-4D75-4666-8113-862526CAAE14}" type="datetimeFigureOut">
               <a:rPr lang="zh-TW" altLang="en-US" smtClean="0"/>
+              <a:pPr/>
               <a:t>2019/8/8</a:t>
             </a:fld>
             <a:endParaRPr lang="zh-TW" altLang="en-US"/>
@@ -1096,6 +1104,7 @@
           <a:p>
             <a:fld id="{7D943101-67B8-4B7F-9001-C5758E47BEFE}" type="slidenum">
               <a:rPr lang="zh-TW" altLang="en-US" smtClean="0"/>
+              <a:pPr/>
               <a:t>‹#›</a:t>
             </a:fld>
             <a:endParaRPr lang="zh-TW" altLang="en-US"/>
@@ -1225,6 +1234,7 @@
           <a:p>
             <a:fld id="{84F27585-4D75-4666-8113-862526CAAE14}" type="datetimeFigureOut">
               <a:rPr lang="zh-TW" altLang="en-US" smtClean="0"/>
+              <a:pPr/>
               <a:t>2019/8/8</a:t>
             </a:fld>
             <a:endParaRPr lang="zh-TW" altLang="en-US"/>
@@ -1271,6 +1281,7 @@
           <a:p>
             <a:fld id="{7D943101-67B8-4B7F-9001-C5758E47BEFE}" type="slidenum">
               <a:rPr lang="zh-TW" altLang="en-US" smtClean="0"/>
+              <a:pPr/>
               <a:t>‹#›</a:t>
             </a:fld>
             <a:endParaRPr lang="zh-TW" altLang="en-US"/>
@@ -2708,6 +2719,7 @@
           <a:p>
             <a:fld id="{84F27585-4D75-4666-8113-862526CAAE14}" type="datetimeFigureOut">
               <a:rPr lang="zh-TW" altLang="en-US" smtClean="0"/>
+              <a:pPr/>
               <a:t>2019/8/8</a:t>
             </a:fld>
             <a:endParaRPr lang="zh-TW" altLang="en-US"/>
@@ -2754,6 +2766,7 @@
           <a:p>
             <a:fld id="{7D943101-67B8-4B7F-9001-C5758E47BEFE}" type="slidenum">
               <a:rPr lang="zh-TW" altLang="en-US" smtClean="0"/>
+              <a:pPr/>
               <a:t>‹#›</a:t>
             </a:fld>
             <a:endParaRPr lang="zh-TW" altLang="en-US"/>
@@ -3308,6 +3321,7 @@
           <a:p>
             <a:fld id="{84F27585-4D75-4666-8113-862526CAAE14}" type="datetimeFigureOut">
               <a:rPr lang="zh-TW" altLang="en-US" smtClean="0"/>
+              <a:pPr/>
               <a:t>2019/8/8</a:t>
             </a:fld>
             <a:endParaRPr lang="zh-TW" altLang="en-US"/>
@@ -3354,6 +3368,7 @@
           <a:p>
             <a:fld id="{7D943101-67B8-4B7F-9001-C5758E47BEFE}" type="slidenum">
               <a:rPr lang="zh-TW" altLang="en-US" smtClean="0"/>
+              <a:pPr/>
               <a:t>‹#›</a:t>
             </a:fld>
             <a:endParaRPr lang="zh-TW" altLang="en-US"/>
@@ -3745,6 +3760,7 @@
           <a:p>
             <a:fld id="{84F27585-4D75-4666-8113-862526CAAE14}" type="datetimeFigureOut">
               <a:rPr lang="zh-TW" altLang="en-US" smtClean="0"/>
+              <a:pPr/>
               <a:t>2019/8/8</a:t>
             </a:fld>
             <a:endParaRPr lang="zh-TW" altLang="en-US"/>
@@ -3791,6 +3807,7 @@
           <a:p>
             <a:fld id="{7D943101-67B8-4B7F-9001-C5758E47BEFE}" type="slidenum">
               <a:rPr lang="zh-TW" altLang="en-US" smtClean="0"/>
+              <a:pPr/>
               <a:t>‹#›</a:t>
             </a:fld>
             <a:endParaRPr lang="zh-TW" altLang="en-US"/>
@@ -4306,6 +4323,7 @@
           <a:p>
             <a:fld id="{84F27585-4D75-4666-8113-862526CAAE14}" type="datetimeFigureOut">
               <a:rPr lang="zh-TW" altLang="en-US" smtClean="0"/>
+              <a:pPr/>
               <a:t>2019/8/8</a:t>
             </a:fld>
             <a:endParaRPr lang="zh-TW" altLang="en-US"/>
@@ -4352,6 +4370,7 @@
           <a:p>
             <a:fld id="{7D943101-67B8-4B7F-9001-C5758E47BEFE}" type="slidenum">
               <a:rPr lang="zh-TW" altLang="en-US" smtClean="0"/>
+              <a:pPr/>
               <a:t>‹#›</a:t>
             </a:fld>
             <a:endParaRPr lang="zh-TW" altLang="en-US"/>
@@ -4402,6 +4421,7 @@
           <a:p>
             <a:fld id="{84F27585-4D75-4666-8113-862526CAAE14}" type="datetimeFigureOut">
               <a:rPr lang="zh-TW" altLang="en-US" smtClean="0"/>
+              <a:pPr/>
               <a:t>2019/8/8</a:t>
             </a:fld>
             <a:endParaRPr lang="zh-TW" altLang="en-US"/>
@@ -4448,6 +4468,7 @@
           <a:p>
             <a:fld id="{7D943101-67B8-4B7F-9001-C5758E47BEFE}" type="slidenum">
               <a:rPr lang="zh-TW" altLang="en-US" smtClean="0"/>
+              <a:pPr/>
               <a:t>‹#›</a:t>
             </a:fld>
             <a:endParaRPr lang="zh-TW" altLang="en-US"/>
@@ -4656,6 +4677,7 @@
           <a:p>
             <a:fld id="{84F27585-4D75-4666-8113-862526CAAE14}" type="datetimeFigureOut">
               <a:rPr lang="zh-TW" altLang="en-US" smtClean="0"/>
+              <a:pPr/>
               <a:t>2019/8/8</a:t>
             </a:fld>
             <a:endParaRPr lang="zh-TW" altLang="en-US"/>
@@ -4702,6 +4724,7 @@
           <a:p>
             <a:fld id="{7D943101-67B8-4B7F-9001-C5758E47BEFE}" type="slidenum">
               <a:rPr lang="zh-TW" altLang="en-US" smtClean="0"/>
+              <a:pPr/>
               <a:t>‹#›</a:t>
             </a:fld>
             <a:endParaRPr lang="zh-TW" altLang="en-US"/>
@@ -5377,6 +5400,7 @@
           <a:p>
             <a:fld id="{84F27585-4D75-4666-8113-862526CAAE14}" type="datetimeFigureOut">
               <a:rPr lang="zh-TW" altLang="en-US" smtClean="0"/>
+              <a:pPr/>
               <a:t>2019/8/8</a:t>
             </a:fld>
             <a:endParaRPr lang="zh-TW" altLang="en-US"/>
@@ -5433,6 +5457,7 @@
           <a:p>
             <a:fld id="{7D943101-67B8-4B7F-9001-C5758E47BEFE}" type="slidenum">
               <a:rPr lang="zh-TW" altLang="en-US" smtClean="0"/>
+              <a:pPr/>
               <a:t>‹#›</a:t>
             </a:fld>
             <a:endParaRPr lang="zh-TW" altLang="en-US"/>
@@ -6050,6 +6075,7 @@
           <a:p>
             <a:fld id="{84F27585-4D75-4666-8113-862526CAAE14}" type="datetimeFigureOut">
               <a:rPr lang="zh-TW" altLang="en-US" smtClean="0"/>
+              <a:pPr/>
               <a:t>2019/8/8</a:t>
             </a:fld>
             <a:endParaRPr lang="zh-TW" altLang="en-US"/>
@@ -6126,6 +6152,7 @@
           <a:p>
             <a:fld id="{7D943101-67B8-4B7F-9001-C5758E47BEFE}" type="slidenum">
               <a:rPr lang="zh-TW" altLang="en-US" smtClean="0"/>
+              <a:pPr/>
               <a:t>‹#›</a:t>
             </a:fld>
             <a:endParaRPr lang="zh-TW" altLang="en-US"/>
@@ -6867,46 +6894,100 @@
           <a:p>
             <a:r>
               <a:rPr lang="zh-TW" altLang="en-US" dirty="0" smtClean="0"/>
-              <a:t>遊戲原理</a:t>
+              <a:t>遊戲簡介</a:t>
             </a:r>
             <a:endParaRPr lang="zh-TW" altLang="en-US" dirty="0"/>
           </a:p>
         </p:txBody>
       </p:sp>
-      <p:pic>
-        <p:nvPicPr>
-          <p:cNvPr id="3074" name="Picture 2"/>
-          <p:cNvPicPr>
-            <a:picLocks noGrp="1" noChangeAspect="1" noChangeArrowheads="1"/>
-          </p:cNvPicPr>
+      <p:sp>
+        <p:nvSpPr>
+          <p:cNvPr id="3" name="內容版面配置區 2"/>
+          <p:cNvSpPr>
+            <a:spLocks noGrp="1"/>
+          </p:cNvSpPr>
           <p:nvPr>
             <p:ph idx="1"/>
           </p:nvPr>
-        </p:nvPicPr>
-        <p:blipFill>
-          <a:blip r:embed="rId2" cstate="print"/>
-          <a:srcRect/>
-          <a:stretch>
-            <a:fillRect/>
-          </a:stretch>
-        </p:blipFill>
-        <p:spPr bwMode="auto">
-          <a:xfrm>
-            <a:off x="1863762" y="1784350"/>
-            <a:ext cx="5873675" cy="4572000"/>
-          </a:xfrm>
-          <a:prstGeom prst="rect">
-            <a:avLst/>
-          </a:prstGeom>
-          <a:noFill/>
-          <a:ln w="9525">
-            <a:noFill/>
-            <a:miter lim="800000"/>
-            <a:headEnd/>
-            <a:tailEnd/>
-          </a:ln>
-        </p:spPr>
-      </p:pic>
+        </p:nvSpPr>
+        <p:spPr/>
+        <p:txBody>
+          <a:bodyPr/>
+          <a:lstStyle/>
+          <a:p>
+            <a:pPr algn="ctr">
+              <a:buNone/>
+            </a:pPr>
+            <a:r>
+              <a:rPr lang="zh-TW" altLang="en-US" sz="4000" dirty="0" smtClean="0"/>
+              <a:t>玩法</a:t>
+            </a:r>
+            <a:endParaRPr lang="en-US" altLang="zh-TW" sz="4000" dirty="0" smtClean="0"/>
+          </a:p>
+          <a:p>
+            <a:pPr algn="ctr">
+              <a:buNone/>
+            </a:pPr>
+            <a:endParaRPr lang="en-US" altLang="zh-TW" dirty="0" smtClean="0"/>
+          </a:p>
+          <a:p>
+            <a:pPr algn="ctr">
+              <a:buNone/>
+            </a:pPr>
+            <a:r>
+              <a:rPr lang="zh-TW" altLang="en-US" dirty="0" smtClean="0"/>
+              <a:t>按鍵</a:t>
+            </a:r>
+            <a:r>
+              <a:rPr lang="en-US" altLang="zh-TW" dirty="0" smtClean="0"/>
+              <a:t>:</a:t>
+            </a:r>
+            <a:r>
+              <a:rPr lang="zh-TW" altLang="en-US" dirty="0" smtClean="0"/>
+              <a:t>上下左右鍵</a:t>
+            </a:r>
+            <a:endParaRPr lang="en-US" altLang="zh-TW" dirty="0" smtClean="0"/>
+          </a:p>
+          <a:p>
+            <a:pPr algn="ctr">
+              <a:buNone/>
+            </a:pPr>
+            <a:r>
+              <a:rPr lang="zh-TW" altLang="en-US" dirty="0" smtClean="0"/>
+              <a:t>玩法</a:t>
+            </a:r>
+            <a:r>
+              <a:rPr lang="en-US" altLang="zh-TW" dirty="0" smtClean="0"/>
+              <a:t>:</a:t>
+            </a:r>
+            <a:r>
+              <a:rPr lang="zh-TW" altLang="en-US" dirty="0" smtClean="0"/>
+              <a:t>吃到食物 就增加長度</a:t>
+            </a:r>
+            <a:endParaRPr lang="en-US" altLang="zh-TW" dirty="0" smtClean="0"/>
+          </a:p>
+          <a:p>
+            <a:pPr algn="ctr">
+              <a:buNone/>
+            </a:pPr>
+            <a:r>
+              <a:rPr lang="en-US" altLang="zh-TW" dirty="0" smtClean="0"/>
+              <a:t>	</a:t>
+            </a:r>
+            <a:r>
+              <a:rPr lang="zh-TW" altLang="en-US" dirty="0" smtClean="0"/>
+              <a:t>碰到自己或者撞到牆及遊戲結束</a:t>
+            </a:r>
+            <a:endParaRPr lang="en-US" altLang="zh-TW" dirty="0" smtClean="0"/>
+          </a:p>
+          <a:p>
+            <a:pPr>
+              <a:buNone/>
+            </a:pPr>
+            <a:endParaRPr lang="zh-TW" altLang="en-US" dirty="0"/>
+          </a:p>
+        </p:txBody>
+      </p:sp>
     </p:spTree>
   </p:cSld>
   <p:clrMapOvr>
@@ -6932,9 +7013,43 @@
           <a:chExt cx="0" cy="0"/>
         </a:xfrm>
       </p:grpSpPr>
-      <p:sp>
-        <p:nvSpPr>
-          <p:cNvPr id="2" name="標題 1"/>
+      <p:pic>
+        <p:nvPicPr>
+          <p:cNvPr id="1027" name="Picture 3"/>
+          <p:cNvPicPr>
+            <a:picLocks noGrp="1" noChangeAspect="1" noChangeArrowheads="1"/>
+          </p:cNvPicPr>
+          <p:nvPr>
+            <p:ph idx="1"/>
+          </p:nvPr>
+        </p:nvPicPr>
+        <p:blipFill>
+          <a:blip r:embed="rId2" cstate="print"/>
+          <a:srcRect/>
+          <a:stretch>
+            <a:fillRect/>
+          </a:stretch>
+        </p:blipFill>
+        <p:spPr bwMode="auto">
+          <a:xfrm>
+            <a:off x="1907705" y="1484784"/>
+            <a:ext cx="5947627" cy="5040000"/>
+          </a:xfrm>
+          <a:prstGeom prst="rect">
+            <a:avLst/>
+          </a:prstGeom>
+          <a:noFill/>
+          <a:ln w="9525">
+            <a:noFill/>
+            <a:miter lim="800000"/>
+            <a:headEnd/>
+            <a:tailEnd/>
+          </a:ln>
+        </p:spPr>
+      </p:pic>
+      <p:sp>
+        <p:nvSpPr>
+          <p:cNvPr id="7" name="標題 1"/>
           <p:cNvSpPr>
             <a:spLocks noGrp="1"/>
           </p:cNvSpPr>
@@ -6942,103 +7057,20 @@
             <p:ph type="title"/>
           </p:nvPr>
         </p:nvSpPr>
-        <p:spPr/>
+        <p:spPr>
+          <a:xfrm>
+            <a:off x="914400" y="512064"/>
+            <a:ext cx="7772400" cy="914400"/>
+          </a:xfrm>
+        </p:spPr>
         <p:txBody>
           <a:bodyPr/>
           <a:lstStyle/>
           <a:p>
             <a:r>
               <a:rPr lang="zh-TW" altLang="en-US" dirty="0" smtClean="0"/>
-              <a:t>遊戲簡介</a:t>
-            </a:r>
-            <a:endParaRPr lang="zh-TW" altLang="en-US" dirty="0"/>
-          </a:p>
-        </p:txBody>
-      </p:sp>
-      <p:sp>
-        <p:nvSpPr>
-          <p:cNvPr id="3" name="內容版面配置區 2"/>
-          <p:cNvSpPr>
-            <a:spLocks noGrp="1"/>
-          </p:cNvSpPr>
-          <p:nvPr>
-            <p:ph idx="1"/>
-          </p:nvPr>
-        </p:nvSpPr>
-        <p:spPr/>
-        <p:txBody>
-          <a:bodyPr/>
-          <a:lstStyle/>
-          <a:p>
-            <a:pPr algn="ctr">
-              <a:buNone/>
-            </a:pPr>
-            <a:r>
-              <a:rPr lang="zh-TW" altLang="en-US" sz="4000" dirty="0" smtClean="0"/>
-              <a:t>玩法</a:t>
-            </a:r>
-            <a:endParaRPr lang="en-US" altLang="zh-TW" sz="4000" dirty="0" smtClean="0"/>
-          </a:p>
-          <a:p>
-            <a:pPr algn="ctr">
-              <a:buNone/>
-            </a:pPr>
-            <a:endParaRPr lang="en-US" altLang="zh-TW" dirty="0" smtClean="0"/>
-          </a:p>
-          <a:p>
-            <a:pPr algn="ctr">
-              <a:buNone/>
-            </a:pPr>
-            <a:r>
-              <a:rPr lang="zh-TW" altLang="en-US" dirty="0" smtClean="0"/>
-              <a:t>按鍵</a:t>
-            </a:r>
-            <a:r>
-              <a:rPr lang="en-US" altLang="zh-TW" dirty="0" smtClean="0"/>
-              <a:t>:</a:t>
-            </a:r>
-            <a:r>
-              <a:rPr lang="zh-TW" altLang="en-US" dirty="0" smtClean="0"/>
-              <a:t>上下左右鍵</a:t>
-            </a:r>
-            <a:endParaRPr lang="en-US" altLang="zh-TW" dirty="0" smtClean="0"/>
-          </a:p>
-          <a:p>
-            <a:pPr algn="ctr">
-              <a:buNone/>
-            </a:pPr>
-            <a:r>
-              <a:rPr lang="zh-TW" altLang="en-US" dirty="0" smtClean="0"/>
-              <a:t>玩法</a:t>
-            </a:r>
-            <a:r>
-              <a:rPr lang="en-US" altLang="zh-TW" dirty="0" smtClean="0"/>
-              <a:t>:</a:t>
-            </a:r>
-            <a:r>
-              <a:rPr lang="zh-TW" altLang="en-US" dirty="0" smtClean="0"/>
-              <a:t>吃到食物 就增加長度</a:t>
-            </a:r>
-            <a:endParaRPr lang="en-US" altLang="zh-TW" dirty="0" smtClean="0"/>
-          </a:p>
-          <a:p>
-            <a:pPr algn="ctr">
-              <a:buNone/>
-            </a:pPr>
-            <a:r>
-              <a:rPr lang="en-US" altLang="zh-TW" dirty="0" smtClean="0"/>
-              <a:t>	</a:t>
-            </a:r>
-            <a:r>
-              <a:rPr lang="zh-TW" altLang="en-US" dirty="0" smtClean="0"/>
-              <a:t>碰到自己或者撞到牆及遊戲結束</a:t>
-            </a:r>
-            <a:endParaRPr lang="en-US" altLang="zh-TW" dirty="0" smtClean="0"/>
-          </a:p>
-          <a:p>
-            <a:pPr>
-              <a:buNone/>
-            </a:pPr>
+              <a:t>遊戲內容</a:t>
+            </a:r>
             <a:endParaRPr lang="zh-TW" altLang="en-US" dirty="0"/>
           </a:p>
         </p:txBody>
@@ -7091,26 +7123,58 @@
           </a:p>
         </p:txBody>
       </p:sp>
+      <p:sp>
+        <p:nvSpPr>
+          <p:cNvPr id="6" name="文字方塊 5"/>
+          <p:cNvSpPr txBox="1"/>
+          <p:nvPr/>
+        </p:nvSpPr>
+        <p:spPr>
+          <a:xfrm>
+            <a:off x="1331640" y="6093296"/>
+            <a:ext cx="6480720" cy="461665"/>
+          </a:xfrm>
+          <a:prstGeom prst="rect">
+            <a:avLst/>
+          </a:prstGeom>
+          <a:noFill/>
+        </p:spPr>
+        <p:txBody>
+          <a:bodyPr wrap="square" rtlCol="0">
+            <a:spAutoFit/>
+          </a:bodyPr>
+          <a:lstStyle/>
+          <a:p>
+            <a:pPr algn="ctr"/>
+            <a:r>
+              <a:rPr lang="zh-TW" altLang="en-US" sz="2400" dirty="0" smtClean="0">
+                <a:hlinkClick r:id="rId2" action="ppaction://hlinkfile"/>
+              </a:rPr>
+              <a:t>遊戲連結</a:t>
+            </a:r>
+            <a:endParaRPr lang="zh-TW" altLang="en-US" sz="2400" dirty="0"/>
+          </a:p>
+        </p:txBody>
+      </p:sp>
       <p:pic>
         <p:nvPicPr>
-          <p:cNvPr id="2051" name="Picture 3"/>
+          <p:cNvPr id="7" name="Picture 4"/>
           <p:cNvPicPr>
-            <a:picLocks noGrp="1" noChangeAspect="1" noChangeArrowheads="1"/>
+            <a:picLocks noChangeAspect="1" noChangeArrowheads="1"/>
           </p:cNvPicPr>
-          <p:nvPr>
-            <p:ph idx="1"/>
-          </p:nvPr>
+          <p:nvPr/>
         </p:nvPicPr>
         <p:blipFill>
-          <a:blip r:embed="rId2" cstate="print"/>
+          <a:blip r:embed="rId3" cstate="print"/>
+          <a:srcRect/>
           <a:stretch>
             <a:fillRect/>
           </a:stretch>
         </p:blipFill>
         <p:spPr bwMode="auto">
           <a:xfrm>
-            <a:off x="914400" y="2176140"/>
-            <a:ext cx="7772400" cy="3788420"/>
+            <a:off x="1763688" y="1988840"/>
+            <a:ext cx="5760000" cy="3731104"/>
           </a:xfrm>
           <a:prstGeom prst="rect">
             <a:avLst/>
@@ -7124,39 +7188,6 @@
           </a:ln>
         </p:spPr>
       </p:pic>
-      <p:sp>
-        <p:nvSpPr>
-          <p:cNvPr id="6" name="文字方塊 5"/>
-          <p:cNvSpPr txBox="1"/>
-          <p:nvPr/>
-        </p:nvSpPr>
-        <p:spPr>
-          <a:xfrm>
-            <a:off x="1331640" y="6093296"/>
-            <a:ext cx="6480720" cy="461665"/>
-          </a:xfrm>
-          <a:prstGeom prst="rect">
-            <a:avLst/>
-          </a:prstGeom>
-          <a:noFill/>
-        </p:spPr>
-        <p:txBody>
-          <a:bodyPr wrap="square" rtlCol="0">
-            <a:spAutoFit/>
-          </a:bodyPr>
-          <a:lstStyle/>
-          <a:p>
-            <a:pPr algn="ctr"/>
-            <a:r>
-              <a:rPr lang="zh-TW" altLang="en-US" sz="2400" dirty="0" smtClean="0">
-                <a:hlinkClick r:id="rId3" action="ppaction://hlinkfile"/>
-              </a:rPr>
-              <a:t>遊戲連結</a:t>
-            </a:r>
-            <a:endParaRPr lang="zh-TW" altLang="en-US" sz="2400" dirty="0"/>
-          </a:p>
-        </p:txBody>
-      </p:sp>
     </p:spTree>
   </p:cSld>
   <p:clrMapOvr>
@@ -7169,6 +7200,365 @@
       </p:par>
     </p:tnLst>
   </p:timing>
+</p:sld>
+</file>
+
+<file path=ppt/slides/slide7.xml><?xml version="1.0" encoding="utf-8"?>
+<p:sld xmlns:a="http://schemas.openxmlformats.org/drawingml/2006/main" xmlns:r="http://schemas.openxmlformats.org/officeDocument/2006/relationships" xmlns:p="http://schemas.openxmlformats.org/presentationml/2006/main">
+  <p:cSld>
+    <p:spTree>
+      <p:nvGrpSpPr>
+        <p:cNvPr id="1" name=""/>
+        <p:cNvGrpSpPr/>
+        <p:nvPr/>
+      </p:nvGrpSpPr>
+      <p:grpSpPr>
+        <a:xfrm>
+          <a:off x="0" y="0"/>
+          <a:ext cx="0" cy="0"/>
+          <a:chOff x="0" y="0"/>
+          <a:chExt cx="0" cy="0"/>
+        </a:xfrm>
+      </p:grpSpPr>
+      <p:sp>
+        <p:nvSpPr>
+          <p:cNvPr id="2" name="標題 1"/>
+          <p:cNvSpPr>
+            <a:spLocks noGrp="1"/>
+          </p:cNvSpPr>
+          <p:nvPr>
+            <p:ph type="title"/>
+          </p:nvPr>
+        </p:nvSpPr>
+        <p:spPr/>
+        <p:txBody>
+          <a:bodyPr/>
+          <a:lstStyle/>
+          <a:p>
+            <a:r>
+              <a:rPr lang="zh-TW" altLang="en-US" dirty="0" smtClean="0"/>
+              <a:t>遊戲原理</a:t>
+            </a:r>
+            <a:endParaRPr lang="zh-TW" altLang="en-US" dirty="0"/>
+          </a:p>
+        </p:txBody>
+      </p:sp>
+      <p:pic>
+        <p:nvPicPr>
+          <p:cNvPr id="3074" name="Picture 2"/>
+          <p:cNvPicPr>
+            <a:picLocks noGrp="1" noChangeAspect="1" noChangeArrowheads="1"/>
+          </p:cNvPicPr>
+          <p:nvPr>
+            <p:ph idx="1"/>
+          </p:nvPr>
+        </p:nvPicPr>
+        <p:blipFill>
+          <a:blip r:embed="rId2" cstate="print"/>
+          <a:srcRect/>
+          <a:stretch>
+            <a:fillRect/>
+          </a:stretch>
+        </p:blipFill>
+        <p:spPr bwMode="auto">
+          <a:xfrm>
+            <a:off x="1863762" y="1784350"/>
+            <a:ext cx="5873675" cy="4572000"/>
+          </a:xfrm>
+          <a:prstGeom prst="rect">
+            <a:avLst/>
+          </a:prstGeom>
+          <a:noFill/>
+          <a:ln w="9525">
+            <a:noFill/>
+            <a:miter lim="800000"/>
+            <a:headEnd/>
+            <a:tailEnd/>
+          </a:ln>
+        </p:spPr>
+      </p:pic>
+    </p:spTree>
+  </p:cSld>
+  <p:clrMapOvr>
+    <a:masterClrMapping/>
+  </p:clrMapOvr>
+</p:sld>
+</file>
+
+<file path=ppt/slides/slide8.xml><?xml version="1.0" encoding="utf-8"?>
+<p:sld xmlns:a="http://schemas.openxmlformats.org/drawingml/2006/main" xmlns:r="http://schemas.openxmlformats.org/officeDocument/2006/relationships" xmlns:p="http://schemas.openxmlformats.org/presentationml/2006/main">
+  <p:cSld>
+    <p:spTree>
+      <p:nvGrpSpPr>
+        <p:cNvPr id="1" name=""/>
+        <p:cNvGrpSpPr/>
+        <p:nvPr/>
+      </p:nvGrpSpPr>
+      <p:grpSpPr>
+        <a:xfrm>
+          <a:off x="0" y="0"/>
+          <a:ext cx="0" cy="0"/>
+          <a:chOff x="0" y="0"/>
+          <a:chExt cx="0" cy="0"/>
+        </a:xfrm>
+      </p:grpSpPr>
+      <p:sp>
+        <p:nvSpPr>
+          <p:cNvPr id="2" name="標題 1"/>
+          <p:cNvSpPr>
+            <a:spLocks noGrp="1"/>
+          </p:cNvSpPr>
+          <p:nvPr>
+            <p:ph type="title"/>
+          </p:nvPr>
+        </p:nvSpPr>
+        <p:spPr/>
+        <p:txBody>
+          <a:bodyPr/>
+          <a:lstStyle/>
+          <a:p>
+            <a:endParaRPr lang="zh-TW" altLang="en-US"/>
+          </a:p>
+        </p:txBody>
+      </p:sp>
+      <p:pic>
+        <p:nvPicPr>
+          <p:cNvPr id="9" name="新增影片.mp4">
+            <a:hlinkClick r:id="" action="ppaction://media"/>
+          </p:cNvPr>
+          <p:cNvPicPr>
+            <a:picLocks noGrp="1" noRot="1" noChangeAspect="1"/>
+          </p:cNvPicPr>
+          <p:nvPr>
+            <p:ph idx="1"/>
+            <a:videoFile r:link="rId1"/>
+          </p:nvPr>
+        </p:nvPicPr>
+        <p:blipFill>
+          <a:blip r:embed="rId3" cstate="print"/>
+          <a:stretch>
+            <a:fillRect/>
+          </a:stretch>
+        </p:blipFill>
+        <p:spPr>
+          <a:xfrm>
+            <a:off x="-1" y="0"/>
+            <a:ext cx="9144001" cy="6858001"/>
+          </a:xfrm>
+          <a:prstGeom prst="rect">
+            <a:avLst/>
+          </a:prstGeom>
+        </p:spPr>
+      </p:pic>
+    </p:spTree>
+  </p:cSld>
+  <p:clrMapOvr>
+    <a:masterClrMapping/>
+  </p:clrMapOvr>
+  <p:timing>
+    <p:tnLst>
+      <p:par>
+        <p:cTn id="1" dur="indefinite" restart="never" nodeType="tmRoot">
+          <p:childTnLst>
+            <p:seq concurrent="1" nextAc="seek">
+              <p:cTn id="2" dur="indefinite" nodeType="mainSeq">
+                <p:childTnLst>
+                  <p:par>
+                    <p:cTn id="3" fill="hold">
+                      <p:stCondLst>
+                        <p:cond delay="indefinite"/>
+                        <p:cond evt="onBegin" delay="0">
+                          <p:tn val="2"/>
+                        </p:cond>
+                      </p:stCondLst>
+                      <p:childTnLst>
+                        <p:par>
+                          <p:cTn id="4" fill="hold">
+                            <p:stCondLst>
+                              <p:cond delay="0"/>
+                            </p:stCondLst>
+                            <p:childTnLst>
+                              <p:par>
+                                <p:cTn id="5" presetID="1" presetClass="mediacall" presetSubtype="0" fill="hold" nodeType="afterEffect">
+                                  <p:stCondLst>
+                                    <p:cond delay="0"/>
+                                  </p:stCondLst>
+                                  <p:childTnLst>
+                                    <p:cmd type="call" cmd="playFrom(0.0)">
+                                      <p:cBhvr>
+                                        <p:cTn id="6" dur="1" fill="hold"/>
+                                        <p:tgtEl>
+                                          <p:spTgt spid="9"/>
+                                        </p:tgtEl>
+                                      </p:cBhvr>
+                                    </p:cmd>
+                                  </p:childTnLst>
+                                </p:cTn>
+                              </p:par>
+                            </p:childTnLst>
+                          </p:cTn>
+                        </p:par>
+                      </p:childTnLst>
+                    </p:cTn>
+                  </p:par>
+                </p:childTnLst>
+              </p:cTn>
+              <p:prevCondLst>
+                <p:cond evt="onPrev" delay="0">
+                  <p:tgtEl>
+                    <p:sldTgt/>
+                  </p:tgtEl>
+                </p:cond>
+              </p:prevCondLst>
+              <p:nextCondLst>
+                <p:cond evt="onNext" delay="0">
+                  <p:tgtEl>
+                    <p:sldTgt/>
+                  </p:tgtEl>
+                </p:cond>
+              </p:nextCondLst>
+            </p:seq>
+            <p:video fullScrn="1">
+              <p:cMediaNode>
+                <p:cTn id="7" repeatCount="indefinite" fill="remove" display="0">
+                  <p:stCondLst>
+                    <p:cond delay="indefinite"/>
+                  </p:stCondLst>
+                  <p:endCondLst>
+                    <p:cond evt="onNext" delay="0">
+                      <p:tgtEl>
+                        <p:sldTgt/>
+                      </p:tgtEl>
+                    </p:cond>
+                    <p:cond evt="onPrev" delay="0">
+                      <p:tgtEl>
+                        <p:sldTgt/>
+                      </p:tgtEl>
+                    </p:cond>
+                  </p:endCondLst>
+                </p:cTn>
+                <p:tgtEl>
+                  <p:spTgt spid="9"/>
+                </p:tgtEl>
+              </p:cMediaNode>
+            </p:video>
+            <p:seq concurrent="1" nextAc="seek">
+              <p:cTn id="8" restart="whenNotActive" fill="hold" evtFilter="cancelBubble" nodeType="interactiveSeq">
+                <p:stCondLst>
+                  <p:cond evt="onClick" delay="0">
+                    <p:tgtEl>
+                      <p:spTgt spid="9"/>
+                    </p:tgtEl>
+                  </p:cond>
+                </p:stCondLst>
+                <p:endSync evt="end" delay="0">
+                  <p:rtn val="all"/>
+                </p:endSync>
+                <p:childTnLst>
+                  <p:par>
+                    <p:cTn id="9" fill="hold">
+                      <p:stCondLst>
+                        <p:cond delay="0"/>
+                      </p:stCondLst>
+                      <p:childTnLst>
+                        <p:par>
+                          <p:cTn id="10" fill="hold">
+                            <p:stCondLst>
+                              <p:cond delay="0"/>
+                            </p:stCondLst>
+                            <p:childTnLst>
+                              <p:par>
+                                <p:cTn id="11" presetID="2" presetClass="mediacall" presetSubtype="0" fill="hold" nodeType="clickEffect">
+                                  <p:stCondLst>
+                                    <p:cond delay="0"/>
+                                  </p:stCondLst>
+                                  <p:childTnLst>
+                                    <p:cmd type="call" cmd="togglePause">
+                                      <p:cBhvr>
+                                        <p:cTn id="12" dur="1" fill="hold"/>
+                                        <p:tgtEl>
+                                          <p:spTgt spid="9"/>
+                                        </p:tgtEl>
+                                      </p:cBhvr>
+                                    </p:cmd>
+                                  </p:childTnLst>
+                                </p:cTn>
+                              </p:par>
+                            </p:childTnLst>
+                          </p:cTn>
+                        </p:par>
+                      </p:childTnLst>
+                    </p:cTn>
+                  </p:par>
+                </p:childTnLst>
+              </p:cTn>
+              <p:nextCondLst>
+                <p:cond evt="onClick" delay="0">
+                  <p:tgtEl>
+                    <p:spTgt spid="9"/>
+                  </p:tgtEl>
+                </p:cond>
+              </p:nextCondLst>
+            </p:seq>
+          </p:childTnLst>
+        </p:cTn>
+      </p:par>
+    </p:tnLst>
+  </p:timing>
+</p:sld>
+</file>
+
+<file path=ppt/slides/slide9.xml><?xml version="1.0" encoding="utf-8"?>
+<p:sld xmlns:a="http://schemas.openxmlformats.org/drawingml/2006/main" xmlns:r="http://schemas.openxmlformats.org/officeDocument/2006/relationships" xmlns:p="http://schemas.openxmlformats.org/presentationml/2006/main">
+  <p:cSld>
+    <p:spTree>
+      <p:nvGrpSpPr>
+        <p:cNvPr id="1" name=""/>
+        <p:cNvGrpSpPr/>
+        <p:nvPr/>
+      </p:nvGrpSpPr>
+      <p:grpSpPr>
+        <a:xfrm>
+          <a:off x="0" y="0"/>
+          <a:ext cx="0" cy="0"/>
+          <a:chOff x="0" y="0"/>
+          <a:chExt cx="0" cy="0"/>
+        </a:xfrm>
+      </p:grpSpPr>
+      <p:sp>
+        <p:nvSpPr>
+          <p:cNvPr id="2" name="標題 1"/>
+          <p:cNvSpPr>
+            <a:spLocks noGrp="1"/>
+          </p:cNvSpPr>
+          <p:nvPr>
+            <p:ph type="title"/>
+          </p:nvPr>
+        </p:nvSpPr>
+        <p:spPr>
+          <a:xfrm>
+            <a:off x="827584" y="2370584"/>
+            <a:ext cx="7772400" cy="2858616"/>
+          </a:xfrm>
+        </p:spPr>
+        <p:txBody>
+          <a:bodyPr/>
+          <a:lstStyle/>
+          <a:p>
+            <a:pPr algn="ctr"/>
+            <a:r>
+              <a:rPr lang="en-US" altLang="zh-TW" sz="12000" dirty="0" smtClean="0"/>
+              <a:t>Demo</a:t>
+            </a:r>
+            <a:endParaRPr lang="zh-TW" altLang="en-US" sz="12000" dirty="0"/>
+          </a:p>
+        </p:txBody>
+      </p:sp>
+    </p:spTree>
+  </p:cSld>
+  <p:clrMapOvr>
+    <a:masterClrMapping/>
+  </p:clrMapOvr>
 </p:sld>
 </file>
 

--- a/Snake/貪食蛇.pptx
+++ b/Snake/貪食蛇.pptx
@@ -10,10 +10,9 @@
     <p:sldId id="262" r:id="rId4"/>
     <p:sldId id="260" r:id="rId5"/>
     <p:sldId id="263" r:id="rId6"/>
-    <p:sldId id="257" r:id="rId7"/>
-    <p:sldId id="261" r:id="rId8"/>
-    <p:sldId id="264" r:id="rId9"/>
-    <p:sldId id="265" r:id="rId10"/>
+    <p:sldId id="261" r:id="rId7"/>
+    <p:sldId id="264" r:id="rId8"/>
+    <p:sldId id="265" r:id="rId9"/>
   </p:sldIdLst>
   <p:sldSz cx="9144000" cy="6858000" type="screen4x3"/>
   <p:notesSz cx="6858000" cy="9144000"/>
@@ -152,7 +151,7 @@
             <a:fld id="{84F27585-4D75-4666-8113-862526CAAE14}" type="datetimeFigureOut">
               <a:rPr lang="zh-TW" altLang="en-US" smtClean="0"/>
               <a:pPr/>
-              <a:t>2019/8/8</a:t>
+              <a:t>2019/8/9</a:t>
             </a:fld>
             <a:endParaRPr lang="zh-TW" altLang="en-US"/>
           </a:p>
@@ -871,7 +870,7 @@
             <a:fld id="{84F27585-4D75-4666-8113-862526CAAE14}" type="datetimeFigureOut">
               <a:rPr lang="zh-TW" altLang="en-US" smtClean="0"/>
               <a:pPr/>
-              <a:t>2019/8/8</a:t>
+              <a:t>2019/8/9</a:t>
             </a:fld>
             <a:endParaRPr lang="zh-TW" altLang="en-US"/>
           </a:p>
@@ -1058,7 +1057,7 @@
             <a:fld id="{84F27585-4D75-4666-8113-862526CAAE14}" type="datetimeFigureOut">
               <a:rPr lang="zh-TW" altLang="en-US" smtClean="0"/>
               <a:pPr/>
-              <a:t>2019/8/8</a:t>
+              <a:t>2019/8/9</a:t>
             </a:fld>
             <a:endParaRPr lang="zh-TW" altLang="en-US"/>
           </a:p>
@@ -1235,7 +1234,7 @@
             <a:fld id="{84F27585-4D75-4666-8113-862526CAAE14}" type="datetimeFigureOut">
               <a:rPr lang="zh-TW" altLang="en-US" smtClean="0"/>
               <a:pPr/>
-              <a:t>2019/8/8</a:t>
+              <a:t>2019/8/9</a:t>
             </a:fld>
             <a:endParaRPr lang="zh-TW" altLang="en-US"/>
           </a:p>
@@ -2720,7 +2719,7 @@
             <a:fld id="{84F27585-4D75-4666-8113-862526CAAE14}" type="datetimeFigureOut">
               <a:rPr lang="zh-TW" altLang="en-US" smtClean="0"/>
               <a:pPr/>
-              <a:t>2019/8/8</a:t>
+              <a:t>2019/8/9</a:t>
             </a:fld>
             <a:endParaRPr lang="zh-TW" altLang="en-US"/>
           </a:p>
@@ -3322,7 +3321,7 @@
             <a:fld id="{84F27585-4D75-4666-8113-862526CAAE14}" type="datetimeFigureOut">
               <a:rPr lang="zh-TW" altLang="en-US" smtClean="0"/>
               <a:pPr/>
-              <a:t>2019/8/8</a:t>
+              <a:t>2019/8/9</a:t>
             </a:fld>
             <a:endParaRPr lang="zh-TW" altLang="en-US"/>
           </a:p>
@@ -3761,7 +3760,7 @@
             <a:fld id="{84F27585-4D75-4666-8113-862526CAAE14}" type="datetimeFigureOut">
               <a:rPr lang="zh-TW" altLang="en-US" smtClean="0"/>
               <a:pPr/>
-              <a:t>2019/8/8</a:t>
+              <a:t>2019/8/9</a:t>
             </a:fld>
             <a:endParaRPr lang="zh-TW" altLang="en-US"/>
           </a:p>
@@ -4324,7 +4323,7 @@
             <a:fld id="{84F27585-4D75-4666-8113-862526CAAE14}" type="datetimeFigureOut">
               <a:rPr lang="zh-TW" altLang="en-US" smtClean="0"/>
               <a:pPr/>
-              <a:t>2019/8/8</a:t>
+              <a:t>2019/8/9</a:t>
             </a:fld>
             <a:endParaRPr lang="zh-TW" altLang="en-US"/>
           </a:p>
@@ -4422,7 +4421,7 @@
             <a:fld id="{84F27585-4D75-4666-8113-862526CAAE14}" type="datetimeFigureOut">
               <a:rPr lang="zh-TW" altLang="en-US" smtClean="0"/>
               <a:pPr/>
-              <a:t>2019/8/8</a:t>
+              <a:t>2019/8/9</a:t>
             </a:fld>
             <a:endParaRPr lang="zh-TW" altLang="en-US"/>
           </a:p>
@@ -4678,7 +4677,7 @@
             <a:fld id="{84F27585-4D75-4666-8113-862526CAAE14}" type="datetimeFigureOut">
               <a:rPr lang="zh-TW" altLang="en-US" smtClean="0"/>
               <a:pPr/>
-              <a:t>2019/8/8</a:t>
+              <a:t>2019/8/9</a:t>
             </a:fld>
             <a:endParaRPr lang="zh-TW" altLang="en-US"/>
           </a:p>
@@ -5401,7 +5400,7 @@
             <a:fld id="{84F27585-4D75-4666-8113-862526CAAE14}" type="datetimeFigureOut">
               <a:rPr lang="zh-TW" altLang="en-US" smtClean="0"/>
               <a:pPr/>
-              <a:t>2019/8/8</a:t>
+              <a:t>2019/8/9</a:t>
             </a:fld>
             <a:endParaRPr lang="zh-TW" altLang="en-US"/>
           </a:p>
@@ -6076,7 +6075,7 @@
             <a:fld id="{84F27585-4D75-4666-8113-862526CAAE14}" type="datetimeFigureOut">
               <a:rPr lang="zh-TW" altLang="en-US" smtClean="0"/>
               <a:pPr/>
-              <a:t>2019/8/8</a:t>
+              <a:t>2019/8/9</a:t>
             </a:fld>
             <a:endParaRPr lang="zh-TW" altLang="en-US"/>
           </a:p>
@@ -7075,6 +7074,38 @@
           </a:p>
         </p:txBody>
       </p:sp>
+      <p:pic>
+        <p:nvPicPr>
+          <p:cNvPr id="4" name="Picture 4"/>
+          <p:cNvPicPr>
+            <a:picLocks noChangeAspect="1" noChangeArrowheads="1"/>
+          </p:cNvPicPr>
+          <p:nvPr/>
+        </p:nvPicPr>
+        <p:blipFill>
+          <a:blip r:embed="rId3" cstate="print"/>
+          <a:srcRect/>
+          <a:stretch>
+            <a:fillRect/>
+          </a:stretch>
+        </p:blipFill>
+        <p:spPr bwMode="auto">
+          <a:xfrm>
+            <a:off x="2267744" y="1628800"/>
+            <a:ext cx="5328592" cy="3451655"/>
+          </a:xfrm>
+          <a:prstGeom prst="rect">
+            <a:avLst/>
+          </a:prstGeom>
+          <a:noFill/>
+          <a:ln w="9525">
+            <a:noFill/>
+            <a:miter lim="800000"/>
+            <a:headEnd/>
+            <a:tailEnd/>
+          </a:ln>
+        </p:spPr>
+      </p:pic>
     </p:spTree>
   </p:cSld>
   <p:clrMapOvr>
@@ -7117,126 +7148,6 @@
           <a:p>
             <a:r>
               <a:rPr lang="zh-TW" altLang="en-US" dirty="0" smtClean="0"/>
-              <a:t>遊戲內容</a:t>
-            </a:r>
-            <a:endParaRPr lang="zh-TW" altLang="en-US" dirty="0"/>
-          </a:p>
-        </p:txBody>
-      </p:sp>
-      <p:sp>
-        <p:nvSpPr>
-          <p:cNvPr id="6" name="文字方塊 5"/>
-          <p:cNvSpPr txBox="1"/>
-          <p:nvPr/>
-        </p:nvSpPr>
-        <p:spPr>
-          <a:xfrm>
-            <a:off x="1331640" y="6093296"/>
-            <a:ext cx="6480720" cy="461665"/>
-          </a:xfrm>
-          <a:prstGeom prst="rect">
-            <a:avLst/>
-          </a:prstGeom>
-          <a:noFill/>
-        </p:spPr>
-        <p:txBody>
-          <a:bodyPr wrap="square" rtlCol="0">
-            <a:spAutoFit/>
-          </a:bodyPr>
-          <a:lstStyle/>
-          <a:p>
-            <a:pPr algn="ctr"/>
-            <a:r>
-              <a:rPr lang="zh-TW" altLang="en-US" sz="2400" dirty="0" smtClean="0">
-                <a:hlinkClick r:id="rId2" action="ppaction://hlinkfile"/>
-              </a:rPr>
-              <a:t>遊戲連結</a:t>
-            </a:r>
-            <a:endParaRPr lang="zh-TW" altLang="en-US" sz="2400" dirty="0"/>
-          </a:p>
-        </p:txBody>
-      </p:sp>
-      <p:pic>
-        <p:nvPicPr>
-          <p:cNvPr id="7" name="Picture 4"/>
-          <p:cNvPicPr>
-            <a:picLocks noChangeAspect="1" noChangeArrowheads="1"/>
-          </p:cNvPicPr>
-          <p:nvPr/>
-        </p:nvPicPr>
-        <p:blipFill>
-          <a:blip r:embed="rId3" cstate="print"/>
-          <a:srcRect/>
-          <a:stretch>
-            <a:fillRect/>
-          </a:stretch>
-        </p:blipFill>
-        <p:spPr bwMode="auto">
-          <a:xfrm>
-            <a:off x="1763688" y="1988840"/>
-            <a:ext cx="5760000" cy="3731104"/>
-          </a:xfrm>
-          <a:prstGeom prst="rect">
-            <a:avLst/>
-          </a:prstGeom>
-          <a:noFill/>
-          <a:ln w="9525">
-            <a:noFill/>
-            <a:miter lim="800000"/>
-            <a:headEnd/>
-            <a:tailEnd/>
-          </a:ln>
-        </p:spPr>
-      </p:pic>
-    </p:spTree>
-  </p:cSld>
-  <p:clrMapOvr>
-    <a:masterClrMapping/>
-  </p:clrMapOvr>
-  <p:timing>
-    <p:tnLst>
-      <p:par>
-        <p:cTn id="1" dur="indefinite" restart="never" nodeType="tmRoot"/>
-      </p:par>
-    </p:tnLst>
-  </p:timing>
-</p:sld>
-</file>
-
-<file path=ppt/slides/slide7.xml><?xml version="1.0" encoding="utf-8"?>
-<p:sld xmlns:a="http://schemas.openxmlformats.org/drawingml/2006/main" xmlns:r="http://schemas.openxmlformats.org/officeDocument/2006/relationships" xmlns:p="http://schemas.openxmlformats.org/presentationml/2006/main">
-  <p:cSld>
-    <p:spTree>
-      <p:nvGrpSpPr>
-        <p:cNvPr id="1" name=""/>
-        <p:cNvGrpSpPr/>
-        <p:nvPr/>
-      </p:nvGrpSpPr>
-      <p:grpSpPr>
-        <a:xfrm>
-          <a:off x="0" y="0"/>
-          <a:ext cx="0" cy="0"/>
-          <a:chOff x="0" y="0"/>
-          <a:chExt cx="0" cy="0"/>
-        </a:xfrm>
-      </p:grpSpPr>
-      <p:sp>
-        <p:nvSpPr>
-          <p:cNvPr id="2" name="標題 1"/>
-          <p:cNvSpPr>
-            <a:spLocks noGrp="1"/>
-          </p:cNvSpPr>
-          <p:nvPr>
-            <p:ph type="title"/>
-          </p:nvPr>
-        </p:nvSpPr>
-        <p:spPr/>
-        <p:txBody>
-          <a:bodyPr/>
-          <a:lstStyle/>
-          <a:p>
-            <a:r>
-              <a:rPr lang="zh-TW" altLang="en-US" dirty="0" smtClean="0"/>
               <a:t>遊戲原理</a:t>
             </a:r>
             <a:endParaRPr lang="zh-TW" altLang="en-US" dirty="0"/>
@@ -7285,7 +7196,7 @@
 </p:sld>
 </file>
 
-<file path=ppt/slides/slide8.xml><?xml version="1.0" encoding="utf-8"?>
+<file path=ppt/slides/slide7.xml><?xml version="1.0" encoding="utf-8"?>
 <p:sld xmlns:a="http://schemas.openxmlformats.org/drawingml/2006/main" xmlns:r="http://schemas.openxmlformats.org/officeDocument/2006/relationships" xmlns:p="http://schemas.openxmlformats.org/presentationml/2006/main">
   <p:cSld>
     <p:spTree>
@@ -7508,7 +7419,7 @@
 </p:sld>
 </file>
 
-<file path=ppt/slides/slide9.xml><?xml version="1.0" encoding="utf-8"?>
+<file path=ppt/slides/slide8.xml><?xml version="1.0" encoding="utf-8"?>
 <p:sld xmlns:a="http://schemas.openxmlformats.org/drawingml/2006/main" xmlns:r="http://schemas.openxmlformats.org/officeDocument/2006/relationships" xmlns:p="http://schemas.openxmlformats.org/presentationml/2006/main">
   <p:cSld>
     <p:spTree>
@@ -7547,7 +7458,9 @@
           <a:p>
             <a:pPr algn="ctr"/>
             <a:r>
-              <a:rPr lang="en-US" altLang="zh-TW" sz="12000" dirty="0" smtClean="0"/>
+              <a:rPr lang="en-US" altLang="zh-TW" sz="12000" dirty="0" smtClean="0">
+                <a:hlinkClick r:id="rId2" action="ppaction://hlinkfile"/>
+              </a:rPr>
               <a:t>Demo</a:t>
             </a:r>
             <a:endParaRPr lang="zh-TW" altLang="en-US" sz="12000" dirty="0"/>
@@ -7559,6 +7472,13 @@
   <p:clrMapOvr>
     <a:masterClrMapping/>
   </p:clrMapOvr>
+  <p:timing>
+    <p:tnLst>
+      <p:par>
+        <p:cTn id="1" dur="indefinite" restart="never" nodeType="tmRoot"/>
+      </p:par>
+    </p:tnLst>
+  </p:timing>
 </p:sld>
 </file>
 
